--- a/snuway_front/static/img/아이콘 만들기.pptx
+++ b/snuway_front/static/img/아이콘 만들기.pptx
@@ -6,9 +6,12 @@
   </p:sldMasterIdLst>
   <p:sldIdLst>
     <p:sldId id="256" r:id="rId2"/>
-    <p:sldId id="257" r:id="rId3"/>
-    <p:sldId id="258" r:id="rId4"/>
-    <p:sldId id="259" r:id="rId5"/>
+    <p:sldId id="260" r:id="rId3"/>
+    <p:sldId id="261" r:id="rId4"/>
+    <p:sldId id="262" r:id="rId5"/>
+    <p:sldId id="257" r:id="rId6"/>
+    <p:sldId id="258" r:id="rId7"/>
+    <p:sldId id="259" r:id="rId8"/>
   </p:sldIdLst>
   <p:sldSz cx="1800225" cy="1800225"/>
   <p:notesSz cx="6858000" cy="9144000"/>
@@ -246,7 +249,7 @@
           <a:p>
             <a:fld id="{B67247AD-054B-4000-8B32-B89E1BAA144B}" type="datetimeFigureOut">
               <a:rPr lang="ko-KR" altLang="en-US" smtClean="0"/>
-              <a:t>2016-08-07</a:t>
+              <a:t>2016-08-10</a:t>
             </a:fld>
             <a:endParaRPr lang="ko-KR" altLang="en-US"/>
           </a:p>
@@ -416,7 +419,7 @@
           <a:p>
             <a:fld id="{B67247AD-054B-4000-8B32-B89E1BAA144B}" type="datetimeFigureOut">
               <a:rPr lang="ko-KR" altLang="en-US" smtClean="0"/>
-              <a:t>2016-08-07</a:t>
+              <a:t>2016-08-10</a:t>
             </a:fld>
             <a:endParaRPr lang="ko-KR" altLang="en-US"/>
           </a:p>
@@ -596,7 +599,7 @@
           <a:p>
             <a:fld id="{B67247AD-054B-4000-8B32-B89E1BAA144B}" type="datetimeFigureOut">
               <a:rPr lang="ko-KR" altLang="en-US" smtClean="0"/>
-              <a:t>2016-08-07</a:t>
+              <a:t>2016-08-10</a:t>
             </a:fld>
             <a:endParaRPr lang="ko-KR" altLang="en-US"/>
           </a:p>
@@ -766,7 +769,7 @@
           <a:p>
             <a:fld id="{B67247AD-054B-4000-8B32-B89E1BAA144B}" type="datetimeFigureOut">
               <a:rPr lang="ko-KR" altLang="en-US" smtClean="0"/>
-              <a:t>2016-08-07</a:t>
+              <a:t>2016-08-10</a:t>
             </a:fld>
             <a:endParaRPr lang="ko-KR" altLang="en-US"/>
           </a:p>
@@ -1010,7 +1013,7 @@
           <a:p>
             <a:fld id="{B67247AD-054B-4000-8B32-B89E1BAA144B}" type="datetimeFigureOut">
               <a:rPr lang="ko-KR" altLang="en-US" smtClean="0"/>
-              <a:t>2016-08-07</a:t>
+              <a:t>2016-08-10</a:t>
             </a:fld>
             <a:endParaRPr lang="ko-KR" altLang="en-US"/>
           </a:p>
@@ -1242,7 +1245,7 @@
           <a:p>
             <a:fld id="{B67247AD-054B-4000-8B32-B89E1BAA144B}" type="datetimeFigureOut">
               <a:rPr lang="ko-KR" altLang="en-US" smtClean="0"/>
-              <a:t>2016-08-07</a:t>
+              <a:t>2016-08-10</a:t>
             </a:fld>
             <a:endParaRPr lang="ko-KR" altLang="en-US"/>
           </a:p>
@@ -1609,7 +1612,7 @@
           <a:p>
             <a:fld id="{B67247AD-054B-4000-8B32-B89E1BAA144B}" type="datetimeFigureOut">
               <a:rPr lang="ko-KR" altLang="en-US" smtClean="0"/>
-              <a:t>2016-08-07</a:t>
+              <a:t>2016-08-10</a:t>
             </a:fld>
             <a:endParaRPr lang="ko-KR" altLang="en-US"/>
           </a:p>
@@ -1727,7 +1730,7 @@
           <a:p>
             <a:fld id="{B67247AD-054B-4000-8B32-B89E1BAA144B}" type="datetimeFigureOut">
               <a:rPr lang="ko-KR" altLang="en-US" smtClean="0"/>
-              <a:t>2016-08-07</a:t>
+              <a:t>2016-08-10</a:t>
             </a:fld>
             <a:endParaRPr lang="ko-KR" altLang="en-US"/>
           </a:p>
@@ -1822,7 +1825,7 @@
           <a:p>
             <a:fld id="{B67247AD-054B-4000-8B32-B89E1BAA144B}" type="datetimeFigureOut">
               <a:rPr lang="ko-KR" altLang="en-US" smtClean="0"/>
-              <a:t>2016-08-07</a:t>
+              <a:t>2016-08-10</a:t>
             </a:fld>
             <a:endParaRPr lang="ko-KR" altLang="en-US"/>
           </a:p>
@@ -2099,7 +2102,7 @@
           <a:p>
             <a:fld id="{B67247AD-054B-4000-8B32-B89E1BAA144B}" type="datetimeFigureOut">
               <a:rPr lang="ko-KR" altLang="en-US" smtClean="0"/>
-              <a:t>2016-08-07</a:t>
+              <a:t>2016-08-10</a:t>
             </a:fld>
             <a:endParaRPr lang="ko-KR" altLang="en-US"/>
           </a:p>
@@ -2356,7 +2359,7 @@
           <a:p>
             <a:fld id="{B67247AD-054B-4000-8B32-B89E1BAA144B}" type="datetimeFigureOut">
               <a:rPr lang="ko-KR" altLang="en-US" smtClean="0"/>
-              <a:t>2016-08-07</a:t>
+              <a:t>2016-08-10</a:t>
             </a:fld>
             <a:endParaRPr lang="ko-KR" altLang="en-US"/>
           </a:p>
@@ -2569,7 +2572,7 @@
           <a:p>
             <a:fld id="{B67247AD-054B-4000-8B32-B89E1BAA144B}" type="datetimeFigureOut">
               <a:rPr lang="ko-KR" altLang="en-US" smtClean="0"/>
-              <a:t>2016-08-07</a:t>
+              <a:t>2016-08-10</a:t>
             </a:fld>
             <a:endParaRPr lang="ko-KR" altLang="en-US"/>
           </a:p>
@@ -2982,8 +2985,8 @@
         </p:nvGrpSpPr>
         <p:grpSpPr>
           <a:xfrm>
-            <a:off x="224135" y="155744"/>
-            <a:ext cx="608231" cy="608231"/>
+            <a:off x="82995" y="14604"/>
+            <a:ext cx="890511" cy="890511"/>
             <a:chOff x="2894120" y="1358283"/>
             <a:chExt cx="4119239" cy="4119239"/>
           </a:xfrm>
@@ -3073,8 +3076,8 @@
         </p:nvGrpSpPr>
         <p:grpSpPr>
           <a:xfrm>
-            <a:off x="224134" y="895441"/>
-            <a:ext cx="608231" cy="608231"/>
+            <a:off x="82994" y="935199"/>
+            <a:ext cx="890511" cy="890511"/>
             <a:chOff x="2894120" y="1358283"/>
             <a:chExt cx="4119240" cy="4119239"/>
           </a:xfrm>
@@ -3163,8 +3166,8 @@
         </p:nvGrpSpPr>
         <p:grpSpPr>
           <a:xfrm>
-            <a:off x="1111276" y="842402"/>
-            <a:ext cx="608231" cy="608231"/>
+            <a:off x="1128731" y="577359"/>
+            <a:ext cx="890511" cy="890511"/>
             <a:chOff x="2894120" y="1358283"/>
             <a:chExt cx="4119239" cy="4119239"/>
           </a:xfrm>
@@ -3275,6 +3278,367 @@
           <a:chExt cx="0" cy="0"/>
         </a:xfrm>
       </p:grpSpPr>
+      <p:grpSp>
+        <p:nvGrpSpPr>
+          <p:cNvPr id="7" name="그룹 6"/>
+          <p:cNvGrpSpPr/>
+          <p:nvPr/>
+        </p:nvGrpSpPr>
+        <p:grpSpPr>
+          <a:xfrm>
+            <a:off x="19822" y="19822"/>
+            <a:ext cx="1760580" cy="1760580"/>
+            <a:chOff x="2894120" y="1358283"/>
+            <a:chExt cx="4119239" cy="4119239"/>
+          </a:xfrm>
+        </p:grpSpPr>
+        <p:sp>
+          <p:nvSpPr>
+            <p:cNvPr id="4" name="타원 3"/>
+            <p:cNvSpPr/>
+            <p:nvPr/>
+          </p:nvSpPr>
+          <p:spPr>
+            <a:xfrm>
+              <a:off x="2894120" y="1358283"/>
+              <a:ext cx="4119239" cy="4119239"/>
+            </a:xfrm>
+            <a:prstGeom prst="ellipse">
+              <a:avLst/>
+            </a:prstGeom>
+            <a:solidFill>
+              <a:srgbClr val="FED136"/>
+            </a:solidFill>
+            <a:ln>
+              <a:noFill/>
+            </a:ln>
+          </p:spPr>
+          <p:style>
+            <a:lnRef idx="2">
+              <a:schemeClr val="accent1">
+                <a:shade val="50000"/>
+              </a:schemeClr>
+            </a:lnRef>
+            <a:fillRef idx="1">
+              <a:schemeClr val="accent1"/>
+            </a:fillRef>
+            <a:effectRef idx="0">
+              <a:schemeClr val="accent1"/>
+            </a:effectRef>
+            <a:fontRef idx="minor">
+              <a:schemeClr val="lt1"/>
+            </a:fontRef>
+          </p:style>
+          <p:txBody>
+            <a:bodyPr rtlCol="0" anchor="ctr"/>
+            <a:lstStyle/>
+            <a:p>
+              <a:pPr algn="ctr"/>
+              <a:endParaRPr lang="ko-KR" altLang="en-US" sz="502"/>
+            </a:p>
+          </p:txBody>
+        </p:sp>
+        <p:pic>
+          <p:nvPicPr>
+            <p:cNvPr id="5" name="그림 4"/>
+            <p:cNvPicPr>
+              <a:picLocks noChangeAspect="1"/>
+            </p:cNvPicPr>
+            <p:nvPr/>
+          </p:nvPicPr>
+          <p:blipFill>
+            <a:blip r:embed="rId2">
+              <a:extLst>
+                <a:ext uri="{28A0092B-C50C-407E-A947-70E740481C1C}">
+                  <a14:useLocalDpi xmlns:a14="http://schemas.microsoft.com/office/drawing/2010/main" val="0"/>
+                </a:ext>
+              </a:extLst>
+            </a:blip>
+            <a:stretch>
+              <a:fillRect/>
+            </a:stretch>
+          </p:blipFill>
+          <p:spPr>
+            <a:xfrm>
+              <a:off x="3395103" y="1859266"/>
+              <a:ext cx="3117273" cy="3117273"/>
+            </a:xfrm>
+            <a:prstGeom prst="rect">
+              <a:avLst/>
+            </a:prstGeom>
+          </p:spPr>
+        </p:pic>
+      </p:grpSp>
+    </p:spTree>
+    <p:extLst>
+      <p:ext uri="{BB962C8B-B14F-4D97-AF65-F5344CB8AC3E}">
+        <p14:creationId xmlns:p14="http://schemas.microsoft.com/office/powerpoint/2010/main" val="2162682504"/>
+      </p:ext>
+    </p:extLst>
+  </p:cSld>
+  <p:clrMapOvr>
+    <a:masterClrMapping/>
+  </p:clrMapOvr>
+</p:sld>
+</file>
+
+<file path=ppt/slides/slide3.xml><?xml version="1.0" encoding="utf-8"?>
+<p:sld xmlns:a="http://schemas.openxmlformats.org/drawingml/2006/main" xmlns:r="http://schemas.openxmlformats.org/officeDocument/2006/relationships" xmlns:p="http://schemas.openxmlformats.org/presentationml/2006/main">
+  <p:cSld>
+    <p:spTree>
+      <p:nvGrpSpPr>
+        <p:cNvPr id="1" name=""/>
+        <p:cNvGrpSpPr/>
+        <p:nvPr/>
+      </p:nvGrpSpPr>
+      <p:grpSpPr>
+        <a:xfrm>
+          <a:off x="0" y="0"/>
+          <a:ext cx="0" cy="0"/>
+          <a:chOff x="0" y="0"/>
+          <a:chExt cx="0" cy="0"/>
+        </a:xfrm>
+      </p:grpSpPr>
+      <p:grpSp>
+        <p:nvGrpSpPr>
+          <p:cNvPr id="10" name="그룹 9"/>
+          <p:cNvGrpSpPr/>
+          <p:nvPr/>
+        </p:nvGrpSpPr>
+        <p:grpSpPr>
+          <a:xfrm>
+            <a:off x="19821" y="19822"/>
+            <a:ext cx="1760581" cy="1760580"/>
+            <a:chOff x="2894120" y="1358283"/>
+            <a:chExt cx="4119240" cy="4119239"/>
+          </a:xfrm>
+        </p:grpSpPr>
+        <p:sp>
+          <p:nvSpPr>
+            <p:cNvPr id="11" name="타원 10"/>
+            <p:cNvSpPr/>
+            <p:nvPr/>
+          </p:nvSpPr>
+          <p:spPr>
+            <a:xfrm>
+              <a:off x="2894120" y="1358283"/>
+              <a:ext cx="4119239" cy="4119239"/>
+            </a:xfrm>
+            <a:prstGeom prst="ellipse">
+              <a:avLst/>
+            </a:prstGeom>
+            <a:solidFill>
+              <a:srgbClr val="FED136"/>
+            </a:solidFill>
+            <a:ln>
+              <a:noFill/>
+            </a:ln>
+          </p:spPr>
+          <p:style>
+            <a:lnRef idx="2">
+              <a:schemeClr val="accent1">
+                <a:shade val="50000"/>
+              </a:schemeClr>
+            </a:lnRef>
+            <a:fillRef idx="1">
+              <a:schemeClr val="accent1"/>
+            </a:fillRef>
+            <a:effectRef idx="0">
+              <a:schemeClr val="accent1"/>
+            </a:effectRef>
+            <a:fontRef idx="minor">
+              <a:schemeClr val="lt1"/>
+            </a:fontRef>
+          </p:style>
+          <p:txBody>
+            <a:bodyPr rtlCol="0" anchor="ctr"/>
+            <a:lstStyle/>
+            <a:p>
+              <a:pPr algn="ctr"/>
+              <a:endParaRPr lang="ko-KR" altLang="en-US" sz="502"/>
+            </a:p>
+          </p:txBody>
+        </p:sp>
+        <p:pic>
+          <p:nvPicPr>
+            <p:cNvPr id="12" name="그림 11"/>
+            <p:cNvPicPr>
+              <a:picLocks noChangeAspect="1"/>
+            </p:cNvPicPr>
+            <p:nvPr/>
+          </p:nvPicPr>
+          <p:blipFill rotWithShape="1">
+            <a:blip r:embed="rId2">
+              <a:extLst>
+                <a:ext uri="{28A0092B-C50C-407E-A947-70E740481C1C}">
+                  <a14:useLocalDpi xmlns:a14="http://schemas.microsoft.com/office/drawing/2010/main" val="0"/>
+                </a:ext>
+              </a:extLst>
+            </a:blip>
+            <a:srcRect l="26843" r="26842"/>
+            <a:stretch/>
+          </p:blipFill>
+          <p:spPr>
+            <a:xfrm>
+              <a:off x="2894120" y="1580312"/>
+              <a:ext cx="4119240" cy="3675180"/>
+            </a:xfrm>
+            <a:prstGeom prst="rect">
+              <a:avLst/>
+            </a:prstGeom>
+          </p:spPr>
+        </p:pic>
+      </p:grpSp>
+    </p:spTree>
+    <p:extLst>
+      <p:ext uri="{BB962C8B-B14F-4D97-AF65-F5344CB8AC3E}">
+        <p14:creationId xmlns:p14="http://schemas.microsoft.com/office/powerpoint/2010/main" val="3639103751"/>
+      </p:ext>
+    </p:extLst>
+  </p:cSld>
+  <p:clrMapOvr>
+    <a:masterClrMapping/>
+  </p:clrMapOvr>
+</p:sld>
+</file>
+
+<file path=ppt/slides/slide4.xml><?xml version="1.0" encoding="utf-8"?>
+<p:sld xmlns:a="http://schemas.openxmlformats.org/drawingml/2006/main" xmlns:r="http://schemas.openxmlformats.org/officeDocument/2006/relationships" xmlns:p="http://schemas.openxmlformats.org/presentationml/2006/main">
+  <p:cSld>
+    <p:spTree>
+      <p:nvGrpSpPr>
+        <p:cNvPr id="1" name=""/>
+        <p:cNvGrpSpPr/>
+        <p:nvPr/>
+      </p:nvGrpSpPr>
+      <p:grpSpPr>
+        <a:xfrm>
+          <a:off x="0" y="0"/>
+          <a:ext cx="0" cy="0"/>
+          <a:chOff x="0" y="0"/>
+          <a:chExt cx="0" cy="0"/>
+        </a:xfrm>
+      </p:grpSpPr>
+      <p:grpSp>
+        <p:nvGrpSpPr>
+          <p:cNvPr id="5" name="그룹 4"/>
+          <p:cNvGrpSpPr/>
+          <p:nvPr/>
+        </p:nvGrpSpPr>
+        <p:grpSpPr>
+          <a:xfrm>
+            <a:off x="19821" y="19821"/>
+            <a:ext cx="1760581" cy="1760581"/>
+            <a:chOff x="2894120" y="1358283"/>
+            <a:chExt cx="4119239" cy="4119239"/>
+          </a:xfrm>
+        </p:grpSpPr>
+        <p:sp>
+          <p:nvSpPr>
+            <p:cNvPr id="6" name="타원 5"/>
+            <p:cNvSpPr/>
+            <p:nvPr/>
+          </p:nvSpPr>
+          <p:spPr>
+            <a:xfrm>
+              <a:off x="2894120" y="1358283"/>
+              <a:ext cx="4119239" cy="4119239"/>
+            </a:xfrm>
+            <a:prstGeom prst="ellipse">
+              <a:avLst/>
+            </a:prstGeom>
+            <a:solidFill>
+              <a:srgbClr val="FED136"/>
+            </a:solidFill>
+            <a:ln>
+              <a:noFill/>
+            </a:ln>
+          </p:spPr>
+          <p:style>
+            <a:lnRef idx="2">
+              <a:schemeClr val="accent1">
+                <a:shade val="50000"/>
+              </a:schemeClr>
+            </a:lnRef>
+            <a:fillRef idx="1">
+              <a:schemeClr val="accent1"/>
+            </a:fillRef>
+            <a:effectRef idx="0">
+              <a:schemeClr val="accent1"/>
+            </a:effectRef>
+            <a:fontRef idx="minor">
+              <a:schemeClr val="lt1"/>
+            </a:fontRef>
+          </p:style>
+          <p:txBody>
+            <a:bodyPr rtlCol="0" anchor="ctr"/>
+            <a:lstStyle/>
+            <a:p>
+              <a:pPr algn="ctr"/>
+              <a:endParaRPr lang="ko-KR" altLang="en-US" sz="502"/>
+            </a:p>
+          </p:txBody>
+        </p:sp>
+        <p:pic>
+          <p:nvPicPr>
+            <p:cNvPr id="7" name="그림 6"/>
+            <p:cNvPicPr>
+              <a:picLocks noChangeAspect="1"/>
+            </p:cNvPicPr>
+            <p:nvPr/>
+          </p:nvPicPr>
+          <p:blipFill rotWithShape="1">
+            <a:blip r:embed="rId2">
+              <a:extLst>
+                <a:ext uri="{28A0092B-C50C-407E-A947-70E740481C1C}">
+                  <a14:useLocalDpi xmlns:a14="http://schemas.microsoft.com/office/drawing/2010/main" val="0"/>
+                </a:ext>
+              </a:extLst>
+            </a:blip>
+            <a:srcRect l="8975" r="8975"/>
+            <a:stretch/>
+          </p:blipFill>
+          <p:spPr>
+            <a:xfrm>
+              <a:off x="2894120" y="2380631"/>
+              <a:ext cx="4119239" cy="2074543"/>
+            </a:xfrm>
+            <a:prstGeom prst="rect">
+              <a:avLst/>
+            </a:prstGeom>
+          </p:spPr>
+        </p:pic>
+      </p:grpSp>
+    </p:spTree>
+    <p:extLst>
+      <p:ext uri="{BB962C8B-B14F-4D97-AF65-F5344CB8AC3E}">
+        <p14:creationId xmlns:p14="http://schemas.microsoft.com/office/powerpoint/2010/main" val="1897644409"/>
+      </p:ext>
+    </p:extLst>
+  </p:cSld>
+  <p:clrMapOvr>
+    <a:masterClrMapping/>
+  </p:clrMapOvr>
+</p:sld>
+</file>
+
+<file path=ppt/slides/slide5.xml><?xml version="1.0" encoding="utf-8"?>
+<p:sld xmlns:a="http://schemas.openxmlformats.org/drawingml/2006/main" xmlns:r="http://schemas.openxmlformats.org/officeDocument/2006/relationships" xmlns:p="http://schemas.openxmlformats.org/presentationml/2006/main">
+  <p:cSld>
+    <p:spTree>
+      <p:nvGrpSpPr>
+        <p:cNvPr id="1" name=""/>
+        <p:cNvGrpSpPr/>
+        <p:nvPr/>
+      </p:nvGrpSpPr>
+      <p:grpSpPr>
+        <a:xfrm>
+          <a:off x="0" y="0"/>
+          <a:ext cx="0" cy="0"/>
+          <a:chOff x="0" y="0"/>
+          <a:chExt cx="0" cy="0"/>
+        </a:xfrm>
+      </p:grpSpPr>
       <p:pic>
         <p:nvPicPr>
           <p:cNvPr id="5" name="그림 4"/>
@@ -3318,7 +3682,7 @@
 </p:sld>
 </file>
 
-<file path=ppt/slides/slide3.xml><?xml version="1.0" encoding="utf-8"?>
+<file path=ppt/slides/slide6.xml><?xml version="1.0" encoding="utf-8"?>
 <p:sld xmlns:a="http://schemas.openxmlformats.org/drawingml/2006/main" xmlns:r="http://schemas.openxmlformats.org/officeDocument/2006/relationships" xmlns:p="http://schemas.openxmlformats.org/presentationml/2006/main">
   <p:cSld>
     <p:bg>
@@ -3386,7 +3750,7 @@
 </p:sld>
 </file>
 
-<file path=ppt/slides/slide4.xml><?xml version="1.0" encoding="utf-8"?>
+<file path=ppt/slides/slide7.xml><?xml version="1.0" encoding="utf-8"?>
 <p:sld xmlns:a="http://schemas.openxmlformats.org/drawingml/2006/main" xmlns:r="http://schemas.openxmlformats.org/officeDocument/2006/relationships" xmlns:p="http://schemas.openxmlformats.org/presentationml/2006/main">
   <p:cSld>
     <p:spTree>
